--- a/Tableau_&_PowerBI/INFS 776 - Data Visualization/Assignments/Project Dashboard 1 - Gavin Gunawardena.pptx
+++ b/Tableau_&_PowerBI/INFS 776 - Data Visualization/Assignments/Project Dashboard 1 - Gavin Gunawardena.pptx
@@ -3331,7 +3331,7 @@
           <p:cNvPr id="2" name="slide2" descr="Dashboard 1">
             <a:extLst>
               <a:ext uri="{FF2B5EF4-FFF2-40B4-BE49-F238E27FC236}">
-                <a16:creationId xmlns:a16="http://schemas.microsoft.com/office/drawing/2014/main" id="{52AF94EB-3DC9-4D69-8AD9-14B816597EE7}"/>
+                <a16:creationId xmlns:a16="http://schemas.microsoft.com/office/drawing/2014/main" id="{FBC062CD-989F-4765-AD37-7923C1CC88B4}"/>
               </a:ext>
             </a:extLst>
           </p:cNvPr>

--- a/Tableau_&_PowerBI/INFS 776 - Data Visualization/Assignments/Project Dashboard 1 - Gavin Gunawardena.pptx
+++ b/Tableau_&_PowerBI/INFS 776 - Data Visualization/Assignments/Project Dashboard 1 - Gavin Gunawardena.pptx
@@ -3331,7 +3331,7 @@
           <p:cNvPr id="2" name="slide2" descr="Dashboard 1">
             <a:extLst>
               <a:ext uri="{FF2B5EF4-FFF2-40B4-BE49-F238E27FC236}">
-                <a16:creationId xmlns:a16="http://schemas.microsoft.com/office/drawing/2014/main" id="{FBC062CD-989F-4765-AD37-7923C1CC88B4}"/>
+                <a16:creationId xmlns:a16="http://schemas.microsoft.com/office/drawing/2014/main" id="{133DBC86-75B3-4F8B-BEB7-EB2230B95671}"/>
               </a:ext>
             </a:extLst>
           </p:cNvPr>
